--- a/Oracle PL_SQL/docs/Section1 기본문법.pptx
+++ b/Oracle PL_SQL/docs/Section1 기본문법.pptx
@@ -253,7 +253,7 @@
           <a:p>
             <a:fld id="{1BDE155E-18D0-4AA6-B5E2-4D2CDFF03099}" type="datetimeFigureOut">
               <a:rPr lang="ko-KR" altLang="en-US" smtClean="0"/>
-              <a:t>2023-09-23</a:t>
+              <a:t>2023-10-02</a:t>
             </a:fld>
             <a:endParaRPr lang="ko-KR" altLang="en-US"/>
           </a:p>
@@ -423,7 +423,7 @@
           <a:p>
             <a:fld id="{1BDE155E-18D0-4AA6-B5E2-4D2CDFF03099}" type="datetimeFigureOut">
               <a:rPr lang="ko-KR" altLang="en-US" smtClean="0"/>
-              <a:t>2023-09-23</a:t>
+              <a:t>2023-10-02</a:t>
             </a:fld>
             <a:endParaRPr lang="ko-KR" altLang="en-US"/>
           </a:p>
@@ -603,7 +603,7 @@
           <a:p>
             <a:fld id="{1BDE155E-18D0-4AA6-B5E2-4D2CDFF03099}" type="datetimeFigureOut">
               <a:rPr lang="ko-KR" altLang="en-US" smtClean="0"/>
-              <a:t>2023-09-23</a:t>
+              <a:t>2023-10-02</a:t>
             </a:fld>
             <a:endParaRPr lang="ko-KR" altLang="en-US"/>
           </a:p>
@@ -773,7 +773,7 @@
           <a:p>
             <a:fld id="{1BDE155E-18D0-4AA6-B5E2-4D2CDFF03099}" type="datetimeFigureOut">
               <a:rPr lang="ko-KR" altLang="en-US" smtClean="0"/>
-              <a:t>2023-09-23</a:t>
+              <a:t>2023-10-02</a:t>
             </a:fld>
             <a:endParaRPr lang="ko-KR" altLang="en-US"/>
           </a:p>
@@ -1019,7 +1019,7 @@
           <a:p>
             <a:fld id="{1BDE155E-18D0-4AA6-B5E2-4D2CDFF03099}" type="datetimeFigureOut">
               <a:rPr lang="ko-KR" altLang="en-US" smtClean="0"/>
-              <a:t>2023-09-23</a:t>
+              <a:t>2023-10-02</a:t>
             </a:fld>
             <a:endParaRPr lang="ko-KR" altLang="en-US"/>
           </a:p>
@@ -1251,7 +1251,7 @@
           <a:p>
             <a:fld id="{1BDE155E-18D0-4AA6-B5E2-4D2CDFF03099}" type="datetimeFigureOut">
               <a:rPr lang="ko-KR" altLang="en-US" smtClean="0"/>
-              <a:t>2023-09-23</a:t>
+              <a:t>2023-10-02</a:t>
             </a:fld>
             <a:endParaRPr lang="ko-KR" altLang="en-US"/>
           </a:p>
@@ -1618,7 +1618,7 @@
           <a:p>
             <a:fld id="{1BDE155E-18D0-4AA6-B5E2-4D2CDFF03099}" type="datetimeFigureOut">
               <a:rPr lang="ko-KR" altLang="en-US" smtClean="0"/>
-              <a:t>2023-09-23</a:t>
+              <a:t>2023-10-02</a:t>
             </a:fld>
             <a:endParaRPr lang="ko-KR" altLang="en-US"/>
           </a:p>
@@ -1736,7 +1736,7 @@
           <a:p>
             <a:fld id="{1BDE155E-18D0-4AA6-B5E2-4D2CDFF03099}" type="datetimeFigureOut">
               <a:rPr lang="ko-KR" altLang="en-US" smtClean="0"/>
-              <a:t>2023-09-23</a:t>
+              <a:t>2023-10-02</a:t>
             </a:fld>
             <a:endParaRPr lang="ko-KR" altLang="en-US"/>
           </a:p>
@@ -1831,7 +1831,7 @@
           <a:p>
             <a:fld id="{1BDE155E-18D0-4AA6-B5E2-4D2CDFF03099}" type="datetimeFigureOut">
               <a:rPr lang="ko-KR" altLang="en-US" smtClean="0"/>
-              <a:t>2023-09-23</a:t>
+              <a:t>2023-10-02</a:t>
             </a:fld>
             <a:endParaRPr lang="ko-KR" altLang="en-US"/>
           </a:p>
@@ -2108,7 +2108,7 @@
           <a:p>
             <a:fld id="{1BDE155E-18D0-4AA6-B5E2-4D2CDFF03099}" type="datetimeFigureOut">
               <a:rPr lang="ko-KR" altLang="en-US" smtClean="0"/>
-              <a:t>2023-09-23</a:t>
+              <a:t>2023-10-02</a:t>
             </a:fld>
             <a:endParaRPr lang="ko-KR" altLang="en-US"/>
           </a:p>
@@ -2361,7 +2361,7 @@
           <a:p>
             <a:fld id="{1BDE155E-18D0-4AA6-B5E2-4D2CDFF03099}" type="datetimeFigureOut">
               <a:rPr lang="ko-KR" altLang="en-US" smtClean="0"/>
-              <a:t>2023-09-23</a:t>
+              <a:t>2023-10-02</a:t>
             </a:fld>
             <a:endParaRPr lang="ko-KR" altLang="en-US"/>
           </a:p>
@@ -2574,7 +2574,7 @@
           <a:p>
             <a:fld id="{1BDE155E-18D0-4AA6-B5E2-4D2CDFF03099}" type="datetimeFigureOut">
               <a:rPr lang="ko-KR" altLang="en-US" smtClean="0"/>
-              <a:t>2023-09-23</a:t>
+              <a:t>2023-10-02</a:t>
             </a:fld>
             <a:endParaRPr lang="ko-KR" altLang="en-US"/>
           </a:p>
@@ -4386,8 +4386,8 @@
         </p:nvSpPr>
         <p:spPr>
           <a:xfrm>
-            <a:off x="1130439" y="1412563"/>
-            <a:ext cx="5100032" cy="3077766"/>
+            <a:off x="727026" y="1878729"/>
+            <a:ext cx="4355961" cy="2031325"/>
           </a:xfrm>
           <a:prstGeom prst="rect">
             <a:avLst/>
@@ -4401,21 +4401,17 @@
           <a:lstStyle/>
           <a:p>
             <a:r>
-              <a:rPr lang="en-US" altLang="ko-KR" b="1" dirty="0"/>
+              <a:rPr lang="en-US" altLang="ko-KR" sz="1400" b="1" dirty="0"/>
               <a:t>DECLARE </a:t>
             </a:r>
           </a:p>
           <a:p>
             <a:r>
-              <a:rPr lang="en-US" altLang="ko-KR" dirty="0"/>
-              <a:t> </a:t>
-            </a:r>
-            <a:r>
-              <a:rPr lang="en-US" altLang="ko-KR" dirty="0" smtClean="0"/>
-              <a:t>    </a:t>
-            </a:r>
-            <a:r>
-              <a:rPr lang="en-US" altLang="ko-KR" sz="1400" dirty="0" smtClean="0"/>
+              <a:rPr lang="en-US" altLang="ko-KR" sz="1400" b="1" dirty="0"/>
+              <a:t>     </a:t>
+            </a:r>
+            <a:r>
+              <a:rPr lang="en-US" altLang="ko-KR" sz="1400" dirty="0"/>
               <a:t>-- </a:t>
             </a:r>
             <a:r>
@@ -4430,31 +4426,22 @@
               <a:rPr lang="ko-KR" altLang="en-US" sz="1400" dirty="0"/>
               <a:t>서브 프로그램 </a:t>
             </a:r>
-          </a:p>
-          <a:p>
-            <a:r>
-              <a:rPr lang="ko-KR" altLang="en-US" dirty="0"/>
+            <a:r>
+              <a:rPr lang="ko-KR" altLang="en-US" sz="1400" b="1" dirty="0" smtClean="0"/>
               <a:t> </a:t>
             </a:r>
-          </a:p>
-          <a:p>
-            <a:r>
-              <a:rPr lang="en-US" altLang="ko-KR" b="1" dirty="0"/>
+            <a:endParaRPr lang="ko-KR" altLang="en-US" sz="1400" b="1" dirty="0"/>
+          </a:p>
+          <a:p>
+            <a:r>
+              <a:rPr lang="en-US" altLang="ko-KR" sz="1400" b="1" dirty="0"/>
               <a:t>BEGIN   </a:t>
             </a:r>
           </a:p>
           <a:p>
             <a:r>
-              <a:rPr lang="en-US" altLang="ko-KR" dirty="0"/>
-              <a:t> </a:t>
-            </a:r>
-            <a:r>
-              <a:rPr lang="en-US" altLang="ko-KR" dirty="0" smtClean="0"/>
-              <a:t>    </a:t>
-            </a:r>
-            <a:r>
-              <a:rPr lang="en-US" altLang="ko-KR" sz="1400" dirty="0" smtClean="0"/>
-              <a:t>-- </a:t>
+              <a:rPr lang="en-US" altLang="ko-KR" sz="1400" dirty="0"/>
+              <a:t>     -- </a:t>
             </a:r>
             <a:r>
               <a:rPr lang="ko-KR" altLang="en-US" sz="1400" dirty="0"/>
@@ -4463,48 +4450,33 @@
           </a:p>
           <a:p>
             <a:r>
-              <a:rPr lang="ko-KR" altLang="en-US" dirty="0"/>
-              <a:t> </a:t>
-            </a:r>
-            <a:r>
-              <a:rPr lang="ko-KR" altLang="en-US" dirty="0" smtClean="0"/>
-              <a:t>    </a:t>
-            </a:r>
-            <a:r>
-              <a:rPr lang="en-US" altLang="ko-KR" dirty="0" smtClean="0"/>
+              <a:rPr lang="ko-KR" altLang="en-US" sz="1400" dirty="0"/>
+              <a:t>     </a:t>
+            </a:r>
+            <a:r>
+              <a:rPr lang="en-US" altLang="ko-KR" sz="1400" dirty="0" err="1"/>
               <a:t>dbms_output.put_line</a:t>
             </a:r>
             <a:r>
-              <a:rPr lang="en-US" altLang="ko-KR" dirty="0"/>
+              <a:rPr lang="en-US" altLang="ko-KR" sz="1400" dirty="0"/>
               <a:t>('Hello PL/SQL</a:t>
             </a:r>
             <a:r>
-              <a:rPr lang="en-US" altLang="ko-KR" dirty="0" smtClean="0"/>
+              <a:rPr lang="en-US" altLang="ko-KR" sz="1400" dirty="0" smtClean="0"/>
               <a:t>');</a:t>
             </a:r>
-          </a:p>
-          <a:p>
-            <a:endParaRPr lang="ko-KR" altLang="en-US" dirty="0"/>
-          </a:p>
-          <a:p>
-            <a:r>
-              <a:rPr lang="en-US" altLang="ko-KR" b="1" dirty="0"/>
-              <a:t>EXCEPTION</a:t>
-            </a:r>
-            <a:r>
-              <a:rPr lang="en-US" altLang="ko-KR" dirty="0"/>
-              <a:t> </a:t>
-            </a:r>
-            <a:endParaRPr lang="en-US" altLang="ko-KR" dirty="0" smtClean="0"/>
-          </a:p>
-          <a:p>
-            <a:r>
-              <a:rPr lang="en-US" altLang="ko-KR" sz="1400" dirty="0"/>
-              <a:t> </a:t>
-            </a:r>
-            <a:r>
-              <a:rPr lang="en-US" altLang="ko-KR" sz="1400" dirty="0" smtClean="0"/>
-              <a:t>     -- </a:t>
+            <a:endParaRPr lang="en-US" altLang="ko-KR" sz="1400" b="1" dirty="0"/>
+          </a:p>
+          <a:p>
+            <a:r>
+              <a:rPr lang="en-US" altLang="ko-KR" sz="1400" b="1" dirty="0"/>
+              <a:t>EXCEPTION when others then</a:t>
+            </a:r>
+          </a:p>
+          <a:p>
+            <a:r>
+              <a:rPr lang="en-US" altLang="ko-KR" sz="1400" dirty="0"/>
+              <a:t>      -- </a:t>
             </a:r>
             <a:r>
               <a:rPr lang="ko-KR" altLang="en-US" sz="1400" dirty="0"/>
@@ -4513,16 +4485,542 @@
           </a:p>
           <a:p>
             <a:r>
-              <a:rPr lang="ko-KR" altLang="en-US" dirty="0"/>
-              <a:t> </a:t>
-            </a:r>
-          </a:p>
-          <a:p>
-            <a:r>
-              <a:rPr lang="en-US" altLang="ko-KR" b="1" dirty="0"/>
+              <a:rPr lang="ko-KR" altLang="en-US" sz="1400" dirty="0"/>
+              <a:t>     </a:t>
+            </a:r>
+            <a:r>
+              <a:rPr lang="en-US" altLang="ko-KR" sz="1400" dirty="0"/>
+              <a:t>null;</a:t>
+            </a:r>
+          </a:p>
+          <a:p>
+            <a:r>
+              <a:rPr lang="en-US" altLang="ko-KR" sz="1400" b="1" dirty="0"/>
               <a:t>END;</a:t>
             </a:r>
+            <a:endParaRPr lang="ko-KR" altLang="en-US" sz="1400" b="1" dirty="0"/>
+          </a:p>
+        </p:txBody>
+      </p:sp>
+      <p:sp>
+        <p:nvSpPr>
+          <p:cNvPr id="2" name="TextBox 1"/>
+          <p:cNvSpPr txBox="1"/>
+          <p:nvPr/>
+        </p:nvSpPr>
+        <p:spPr>
+          <a:xfrm>
+            <a:off x="645459" y="1264023"/>
+            <a:ext cx="2981907" cy="369332"/>
+          </a:xfrm>
+          <a:prstGeom prst="rect">
+            <a:avLst/>
+          </a:prstGeom>
+          <a:noFill/>
+        </p:spPr>
+        <p:txBody>
+          <a:bodyPr wrap="none" rtlCol="0">
+            <a:spAutoFit/>
+          </a:bodyPr>
+          <a:lstStyle/>
+          <a:p>
+            <a:r>
+              <a:rPr lang="en-US" altLang="ko-KR" b="1" dirty="0" smtClean="0">
+                <a:solidFill>
+                  <a:srgbClr val="0000CC"/>
+                </a:solidFill>
+              </a:rPr>
+              <a:t>PL/SQL block  [</a:t>
+            </a:r>
+            <a:r>
+              <a:rPr lang="ko-KR" altLang="en-US" b="1" dirty="0" smtClean="0">
+                <a:solidFill>
+                  <a:schemeClr val="bg1">
+                    <a:lumMod val="75000"/>
+                  </a:schemeClr>
+                </a:solidFill>
+              </a:rPr>
+              <a:t>익명</a:t>
+            </a:r>
+            <a:r>
+              <a:rPr lang="ko-KR" altLang="en-US" b="1" dirty="0" smtClean="0">
+                <a:solidFill>
+                  <a:srgbClr val="0000CC"/>
+                </a:solidFill>
+              </a:rPr>
+              <a:t> 블록</a:t>
+            </a:r>
+            <a:r>
+              <a:rPr lang="en-US" altLang="ko-KR" b="1" dirty="0" smtClean="0">
+                <a:solidFill>
+                  <a:srgbClr val="0000CC"/>
+                </a:solidFill>
+              </a:rPr>
+              <a:t>]</a:t>
+            </a:r>
+            <a:endParaRPr lang="ko-KR" altLang="en-US" b="1" dirty="0">
+              <a:solidFill>
+                <a:srgbClr val="0000CC"/>
+              </a:solidFill>
+            </a:endParaRPr>
+          </a:p>
+        </p:txBody>
+      </p:sp>
+      <p:sp>
+        <p:nvSpPr>
+          <p:cNvPr id="5" name="이등변 삼각형 4"/>
+          <p:cNvSpPr/>
+          <p:nvPr/>
+        </p:nvSpPr>
+        <p:spPr>
+          <a:xfrm rot="5400000">
+            <a:off x="4370295" y="3212414"/>
+            <a:ext cx="2735669" cy="593105"/>
+          </a:xfrm>
+          <a:prstGeom prst="triangle">
+            <a:avLst/>
+          </a:prstGeom>
+        </p:spPr>
+        <p:style>
+          <a:lnRef idx="2">
+            <a:schemeClr val="accent4">
+              <a:shade val="50000"/>
+            </a:schemeClr>
+          </a:lnRef>
+          <a:fillRef idx="1">
+            <a:schemeClr val="accent4"/>
+          </a:fillRef>
+          <a:effectRef idx="0">
+            <a:schemeClr val="accent4"/>
+          </a:effectRef>
+          <a:fontRef idx="minor">
+            <a:schemeClr val="lt1"/>
+          </a:fontRef>
+        </p:style>
+        <p:txBody>
+          <a:bodyPr rtlCol="0" anchor="ctr"/>
+          <a:lstStyle/>
+          <a:p>
+            <a:pPr algn="ctr"/>
+            <a:endParaRPr lang="ko-KR" altLang="en-US"/>
+          </a:p>
+        </p:txBody>
+      </p:sp>
+      <p:sp>
+        <p:nvSpPr>
+          <p:cNvPr id="6" name="TextBox 5"/>
+          <p:cNvSpPr txBox="1"/>
+          <p:nvPr/>
+        </p:nvSpPr>
+        <p:spPr>
+          <a:xfrm>
+            <a:off x="6714566" y="1299882"/>
+            <a:ext cx="3512500" cy="369332"/>
+          </a:xfrm>
+          <a:prstGeom prst="rect">
+            <a:avLst/>
+          </a:prstGeom>
+          <a:noFill/>
+        </p:spPr>
+        <p:txBody>
+          <a:bodyPr wrap="none" rtlCol="0">
+            <a:spAutoFit/>
+          </a:bodyPr>
+          <a:lstStyle/>
+          <a:p>
+            <a:r>
+              <a:rPr lang="ko-KR" altLang="en-US" b="1" dirty="0" smtClean="0">
+                <a:solidFill>
+                  <a:srgbClr val="0000CC"/>
+                </a:solidFill>
+              </a:rPr>
+              <a:t>익명 블록에 이름을 붙여서 사용</a:t>
+            </a:r>
+            <a:endParaRPr lang="ko-KR" altLang="en-US" b="1" dirty="0">
+              <a:solidFill>
+                <a:srgbClr val="0000CC"/>
+              </a:solidFill>
+            </a:endParaRPr>
+          </a:p>
+        </p:txBody>
+      </p:sp>
+      <p:sp>
+        <p:nvSpPr>
+          <p:cNvPr id="8" name="TextBox 7"/>
+          <p:cNvSpPr txBox="1"/>
+          <p:nvPr/>
+        </p:nvSpPr>
+        <p:spPr>
+          <a:xfrm>
+            <a:off x="8229600" y="2563907"/>
+            <a:ext cx="1831592" cy="2031325"/>
+          </a:xfrm>
+          <a:prstGeom prst="rect">
+            <a:avLst/>
+          </a:prstGeom>
+          <a:noFill/>
+        </p:spPr>
+        <p:txBody>
+          <a:bodyPr wrap="none" rtlCol="0">
+            <a:spAutoFit/>
+          </a:bodyPr>
+          <a:lstStyle/>
+          <a:p>
+            <a:pPr marL="285750" indent="-285750">
+              <a:buFont typeface="Arial" panose="020B0604020202020204" pitchFamily="34" charset="0"/>
+              <a:buChar char="•"/>
+            </a:pPr>
+            <a:r>
+              <a:rPr lang="en-US" altLang="ko-KR" b="1" dirty="0" smtClean="0"/>
+              <a:t>FUNCTION</a:t>
+            </a:r>
+          </a:p>
+          <a:p>
+            <a:pPr marL="285750" indent="-285750">
+              <a:buFont typeface="Arial" panose="020B0604020202020204" pitchFamily="34" charset="0"/>
+              <a:buChar char="•"/>
+            </a:pPr>
+            <a:endParaRPr lang="en-US" altLang="ko-KR" b="1" dirty="0"/>
+          </a:p>
+          <a:p>
+            <a:pPr marL="285750" indent="-285750">
+              <a:buFont typeface="Arial" panose="020B0604020202020204" pitchFamily="34" charset="0"/>
+              <a:buChar char="•"/>
+            </a:pPr>
+            <a:r>
+              <a:rPr lang="en-US" altLang="ko-KR" b="1" dirty="0" smtClean="0"/>
+              <a:t>PROCEDURE</a:t>
+            </a:r>
+          </a:p>
+          <a:p>
+            <a:endParaRPr lang="en-US" altLang="ko-KR" b="1" dirty="0" smtClean="0"/>
+          </a:p>
+          <a:p>
+            <a:pPr marL="285750" indent="-285750">
+              <a:buFont typeface="Arial" panose="020B0604020202020204" pitchFamily="34" charset="0"/>
+              <a:buChar char="•"/>
+            </a:pPr>
+            <a:r>
+              <a:rPr lang="en-US" altLang="ko-KR" b="1" dirty="0" smtClean="0"/>
+              <a:t>PACKAGE</a:t>
+            </a:r>
+          </a:p>
+          <a:p>
+            <a:pPr marL="285750" indent="-285750">
+              <a:buFont typeface="Arial" panose="020B0604020202020204" pitchFamily="34" charset="0"/>
+              <a:buChar char="•"/>
+            </a:pPr>
+            <a:endParaRPr lang="en-US" altLang="ko-KR" b="1" dirty="0"/>
+          </a:p>
+          <a:p>
+            <a:pPr marL="285750" indent="-285750">
+              <a:buFont typeface="Arial" panose="020B0604020202020204" pitchFamily="34" charset="0"/>
+              <a:buChar char="•"/>
+            </a:pPr>
+            <a:r>
+              <a:rPr lang="en-US" altLang="ko-KR" b="1" dirty="0" smtClean="0"/>
+              <a:t>TRIGGER</a:t>
+            </a:r>
             <a:endParaRPr lang="ko-KR" altLang="en-US" b="1" dirty="0"/>
+          </a:p>
+        </p:txBody>
+      </p:sp>
+      <p:sp>
+        <p:nvSpPr>
+          <p:cNvPr id="9" name="TextBox 8"/>
+          <p:cNvSpPr txBox="1"/>
+          <p:nvPr/>
+        </p:nvSpPr>
+        <p:spPr>
+          <a:xfrm>
+            <a:off x="6911788" y="3236258"/>
+            <a:ext cx="1060996" cy="461665"/>
+          </a:xfrm>
+          <a:prstGeom prst="rect">
+            <a:avLst/>
+          </a:prstGeom>
+          <a:noFill/>
+        </p:spPr>
+        <p:txBody>
+          <a:bodyPr wrap="none" rtlCol="0">
+            <a:spAutoFit/>
+          </a:bodyPr>
+          <a:lstStyle/>
+          <a:p>
+            <a:r>
+              <a:rPr lang="en-US" altLang="ko-KR" sz="2400" dirty="0" smtClean="0">
+                <a:solidFill>
+                  <a:schemeClr val="bg1">
+                    <a:lumMod val="50000"/>
+                  </a:schemeClr>
+                </a:solidFill>
+              </a:rPr>
+              <a:t>stored</a:t>
+            </a:r>
+            <a:endParaRPr lang="ko-KR" altLang="en-US" sz="2400" dirty="0">
+              <a:solidFill>
+                <a:schemeClr val="bg1">
+                  <a:lumMod val="50000"/>
+                </a:schemeClr>
+              </a:solidFill>
+            </a:endParaRPr>
+          </a:p>
+        </p:txBody>
+      </p:sp>
+      <p:sp>
+        <p:nvSpPr>
+          <p:cNvPr id="10" name="직사각형 9"/>
+          <p:cNvSpPr/>
+          <p:nvPr/>
+        </p:nvSpPr>
+        <p:spPr>
+          <a:xfrm>
+            <a:off x="1362636" y="4509247"/>
+            <a:ext cx="2510117" cy="2115670"/>
+          </a:xfrm>
+          <a:prstGeom prst="rect">
+            <a:avLst/>
+          </a:prstGeom>
+          <a:noFill/>
+          <a:ln w="38100"/>
+        </p:spPr>
+        <p:style>
+          <a:lnRef idx="2">
+            <a:schemeClr val="accent1">
+              <a:shade val="50000"/>
+            </a:schemeClr>
+          </a:lnRef>
+          <a:fillRef idx="1">
+            <a:schemeClr val="accent1"/>
+          </a:fillRef>
+          <a:effectRef idx="0">
+            <a:schemeClr val="accent1"/>
+          </a:effectRef>
+          <a:fontRef idx="minor">
+            <a:schemeClr val="lt1"/>
+          </a:fontRef>
+        </p:style>
+        <p:txBody>
+          <a:bodyPr rtlCol="0" anchor="ctr"/>
+          <a:lstStyle/>
+          <a:p>
+            <a:pPr algn="ctr"/>
+            <a:endParaRPr lang="ko-KR" altLang="en-US"/>
+          </a:p>
+        </p:txBody>
+      </p:sp>
+      <p:sp>
+        <p:nvSpPr>
+          <p:cNvPr id="11" name="직사각형 10"/>
+          <p:cNvSpPr/>
+          <p:nvPr/>
+        </p:nvSpPr>
+        <p:spPr>
+          <a:xfrm>
+            <a:off x="1954305" y="4849906"/>
+            <a:ext cx="1461247" cy="735105"/>
+          </a:xfrm>
+          <a:prstGeom prst="rect">
+            <a:avLst/>
+          </a:prstGeom>
+          <a:noFill/>
+          <a:ln w="28575"/>
+        </p:spPr>
+        <p:style>
+          <a:lnRef idx="2">
+            <a:schemeClr val="accent1">
+              <a:shade val="50000"/>
+            </a:schemeClr>
+          </a:lnRef>
+          <a:fillRef idx="1">
+            <a:schemeClr val="accent1"/>
+          </a:fillRef>
+          <a:effectRef idx="0">
+            <a:schemeClr val="accent1"/>
+          </a:effectRef>
+          <a:fontRef idx="minor">
+            <a:schemeClr val="lt1"/>
+          </a:fontRef>
+        </p:style>
+        <p:txBody>
+          <a:bodyPr rtlCol="0" anchor="ctr"/>
+          <a:lstStyle/>
+          <a:p>
+            <a:pPr algn="ctr"/>
+            <a:endParaRPr lang="ko-KR" altLang="en-US"/>
+          </a:p>
+        </p:txBody>
+      </p:sp>
+      <p:sp>
+        <p:nvSpPr>
+          <p:cNvPr id="13" name="직사각형 12"/>
+          <p:cNvSpPr/>
+          <p:nvPr/>
+        </p:nvSpPr>
+        <p:spPr>
+          <a:xfrm>
+            <a:off x="1954305" y="5836023"/>
+            <a:ext cx="1503807" cy="502024"/>
+          </a:xfrm>
+          <a:prstGeom prst="rect">
+            <a:avLst/>
+          </a:prstGeom>
+          <a:noFill/>
+          <a:ln w="28575"/>
+        </p:spPr>
+        <p:style>
+          <a:lnRef idx="2">
+            <a:schemeClr val="accent1">
+              <a:shade val="50000"/>
+            </a:schemeClr>
+          </a:lnRef>
+          <a:fillRef idx="1">
+            <a:schemeClr val="accent1"/>
+          </a:fillRef>
+          <a:effectRef idx="0">
+            <a:schemeClr val="accent1"/>
+          </a:effectRef>
+          <a:fontRef idx="minor">
+            <a:schemeClr val="lt1"/>
+          </a:fontRef>
+        </p:style>
+        <p:txBody>
+          <a:bodyPr rtlCol="0" anchor="ctr"/>
+          <a:lstStyle/>
+          <a:p>
+            <a:pPr algn="ctr"/>
+            <a:endParaRPr lang="ko-KR" altLang="en-US"/>
+          </a:p>
+        </p:txBody>
+      </p:sp>
+      <p:sp>
+        <p:nvSpPr>
+          <p:cNvPr id="12" name="직사각형 11"/>
+          <p:cNvSpPr/>
+          <p:nvPr/>
+        </p:nvSpPr>
+        <p:spPr>
+          <a:xfrm>
+            <a:off x="2438401" y="5145741"/>
+            <a:ext cx="708211" cy="313765"/>
+          </a:xfrm>
+          <a:prstGeom prst="rect">
+            <a:avLst/>
+          </a:prstGeom>
+          <a:noFill/>
+        </p:spPr>
+        <p:style>
+          <a:lnRef idx="2">
+            <a:schemeClr val="accent1">
+              <a:shade val="50000"/>
+            </a:schemeClr>
+          </a:lnRef>
+          <a:fillRef idx="1">
+            <a:schemeClr val="accent1"/>
+          </a:fillRef>
+          <a:effectRef idx="0">
+            <a:schemeClr val="accent1"/>
+          </a:effectRef>
+          <a:fontRef idx="minor">
+            <a:schemeClr val="lt1"/>
+          </a:fontRef>
+        </p:style>
+        <p:txBody>
+          <a:bodyPr rtlCol="0" anchor="ctr"/>
+          <a:lstStyle/>
+          <a:p>
+            <a:pPr algn="ctr"/>
+            <a:endParaRPr lang="ko-KR" altLang="en-US"/>
+          </a:p>
+        </p:txBody>
+      </p:sp>
+      <p:sp>
+        <p:nvSpPr>
+          <p:cNvPr id="14" name="TextBox 13"/>
+          <p:cNvSpPr txBox="1"/>
+          <p:nvPr/>
+        </p:nvSpPr>
+        <p:spPr>
+          <a:xfrm>
+            <a:off x="1389531" y="4536141"/>
+            <a:ext cx="532518" cy="253916"/>
+          </a:xfrm>
+          <a:prstGeom prst="rect">
+            <a:avLst/>
+          </a:prstGeom>
+          <a:noFill/>
+        </p:spPr>
+        <p:txBody>
+          <a:bodyPr wrap="none" rtlCol="0">
+            <a:spAutoFit/>
+          </a:bodyPr>
+          <a:lstStyle/>
+          <a:p>
+            <a:r>
+              <a:rPr lang="en-US" altLang="ko-KR" sz="1000" b="1" dirty="0" smtClean="0"/>
+              <a:t>Block</a:t>
+            </a:r>
+            <a:endParaRPr lang="ko-KR" altLang="en-US" sz="1000" b="1" dirty="0"/>
+          </a:p>
+        </p:txBody>
+      </p:sp>
+      <p:sp>
+        <p:nvSpPr>
+          <p:cNvPr id="16" name="TextBox 15"/>
+          <p:cNvSpPr txBox="1"/>
+          <p:nvPr/>
+        </p:nvSpPr>
+        <p:spPr>
+          <a:xfrm>
+            <a:off x="1954308" y="4849906"/>
+            <a:ext cx="532518" cy="253916"/>
+          </a:xfrm>
+          <a:prstGeom prst="rect">
+            <a:avLst/>
+          </a:prstGeom>
+          <a:noFill/>
+        </p:spPr>
+        <p:txBody>
+          <a:bodyPr wrap="none" rtlCol="0">
+            <a:spAutoFit/>
+          </a:bodyPr>
+          <a:lstStyle/>
+          <a:p>
+            <a:r>
+              <a:rPr lang="en-US" altLang="ko-KR" sz="1000" b="1" dirty="0" smtClean="0"/>
+              <a:t>Block</a:t>
+            </a:r>
+            <a:endParaRPr lang="ko-KR" altLang="en-US" sz="1000" b="1" dirty="0"/>
+          </a:p>
+        </p:txBody>
+      </p:sp>
+      <p:sp>
+        <p:nvSpPr>
+          <p:cNvPr id="17" name="TextBox 16"/>
+          <p:cNvSpPr txBox="1"/>
+          <p:nvPr/>
+        </p:nvSpPr>
+        <p:spPr>
+          <a:xfrm>
+            <a:off x="2447367" y="5145740"/>
+            <a:ext cx="482824" cy="230832"/>
+          </a:xfrm>
+          <a:prstGeom prst="rect">
+            <a:avLst/>
+          </a:prstGeom>
+          <a:noFill/>
+        </p:spPr>
+        <p:txBody>
+          <a:bodyPr wrap="none" rtlCol="0">
+            <a:spAutoFit/>
+          </a:bodyPr>
+          <a:lstStyle/>
+          <a:p>
+            <a:r>
+              <a:rPr lang="en-US" altLang="ko-KR" sz="900" b="1" dirty="0" smtClean="0"/>
+              <a:t>Block</a:t>
+            </a:r>
+            <a:endParaRPr lang="ko-KR" altLang="en-US" sz="900" b="1" dirty="0"/>
           </a:p>
         </p:txBody>
       </p:sp>
@@ -4680,8 +5178,8 @@
         </p:nvSpPr>
         <p:spPr>
           <a:xfrm>
-            <a:off x="1085616" y="1493245"/>
-            <a:ext cx="5100032" cy="2585323"/>
+            <a:off x="1128022" y="798429"/>
+            <a:ext cx="5100032" cy="2677656"/>
           </a:xfrm>
           <a:prstGeom prst="rect">
             <a:avLst/>
@@ -4695,92 +5193,176 @@
           <a:lstStyle/>
           <a:p>
             <a:r>
-              <a:rPr lang="en-US" altLang="ko-KR" b="1" dirty="0" smtClean="0"/>
+              <a:rPr lang="en-US" altLang="ko-KR" sz="1200" b="1" dirty="0"/>
               <a:t>DECLARE </a:t>
             </a:r>
           </a:p>
           <a:p>
             <a:r>
-              <a:rPr lang="en-US" altLang="ko-KR" dirty="0" smtClean="0"/>
+              <a:rPr lang="en-US" altLang="ko-KR" sz="1200" dirty="0"/>
+              <a:t>     -- </a:t>
+            </a:r>
+            <a:r>
+              <a:rPr lang="ko-KR" altLang="en-US" sz="1200" dirty="0"/>
+              <a:t>변수선언</a:t>
+            </a:r>
+          </a:p>
+          <a:p>
+            <a:r>
+              <a:rPr lang="ko-KR" altLang="en-US" sz="1200" dirty="0"/>
               <a:t>     </a:t>
             </a:r>
             <a:r>
-              <a:rPr lang="en-US" altLang="ko-KR" sz="1400" dirty="0" smtClean="0"/>
+              <a:rPr lang="en-US" altLang="ko-KR" sz="1200" dirty="0"/>
+              <a:t>-- name varchar2(100);</a:t>
+            </a:r>
+          </a:p>
+          <a:p>
+            <a:r>
+              <a:rPr lang="en-US" altLang="ko-KR" sz="1200" dirty="0"/>
+              <a:t>     </a:t>
+            </a:r>
+            <a:r>
+              <a:rPr lang="en-US" altLang="ko-KR" sz="1200" dirty="0" smtClean="0"/>
               <a:t>-- </a:t>
             </a:r>
             <a:r>
-              <a:rPr lang="ko-KR" altLang="en-US" sz="1400" dirty="0" smtClean="0"/>
-              <a:t>변수선언 </a:t>
-            </a:r>
-            <a:r>
-              <a:rPr lang="en-US" altLang="ko-KR" sz="1400" dirty="0" smtClean="0"/>
-              <a:t>, </a:t>
-            </a:r>
-            <a:r>
-              <a:rPr lang="ko-KR" altLang="en-US" sz="1400" dirty="0" smtClean="0"/>
-              <a:t>서브 프로그램 </a:t>
-            </a:r>
-          </a:p>
-          <a:p>
-            <a:r>
-              <a:rPr lang="ko-KR" altLang="en-US" dirty="0" smtClean="0"/>
+              <a:rPr lang="en-US" altLang="ko-KR" sz="1200" dirty="0"/>
+              <a:t>name </a:t>
+            </a:r>
+            <a:r>
+              <a:rPr lang="en-US" altLang="ko-KR" sz="1200" dirty="0" err="1"/>
+              <a:t>sample.name%type</a:t>
+            </a:r>
+            <a:r>
+              <a:rPr lang="en-US" altLang="ko-KR" sz="1200" dirty="0"/>
+              <a:t>;</a:t>
+            </a:r>
+          </a:p>
+          <a:p>
+            <a:r>
+              <a:rPr lang="en-US" altLang="ko-KR" sz="1200" dirty="0"/>
+              <a:t>      </a:t>
+            </a:r>
+            <a:r>
+              <a:rPr lang="en-US" altLang="ko-KR" sz="1200" dirty="0" err="1"/>
+              <a:t>r_sample</a:t>
+            </a:r>
+            <a:r>
+              <a:rPr lang="en-US" altLang="ko-KR" sz="1200" dirty="0"/>
+              <a:t> </a:t>
+            </a:r>
+            <a:r>
+              <a:rPr lang="en-US" altLang="ko-KR" sz="1200" dirty="0" err="1"/>
+              <a:t>sample%rowtype</a:t>
+            </a:r>
+            <a:r>
+              <a:rPr lang="en-US" altLang="ko-KR" sz="1200" dirty="0"/>
+              <a:t>;     </a:t>
+            </a:r>
+          </a:p>
+          <a:p>
+            <a:endParaRPr lang="en-US" altLang="ko-KR" sz="1200" dirty="0"/>
+          </a:p>
+          <a:p>
+            <a:r>
+              <a:rPr lang="en-US" altLang="ko-KR" sz="1200" b="1" dirty="0"/>
+              <a:t>BEGIN </a:t>
+            </a:r>
+            <a:r>
+              <a:rPr lang="en-US" altLang="ko-KR" sz="1200" dirty="0"/>
+              <a:t>  </a:t>
+            </a:r>
+          </a:p>
+          <a:p>
+            <a:r>
+              <a:rPr lang="en-US" altLang="ko-KR" sz="1200" dirty="0"/>
+              <a:t>    name := '</a:t>
+            </a:r>
+            <a:r>
+              <a:rPr lang="ko-KR" altLang="en-US" sz="1200" dirty="0"/>
+              <a:t>홍길동</a:t>
+            </a:r>
+            <a:r>
+              <a:rPr lang="en-US" altLang="ko-KR" sz="1200" dirty="0"/>
+              <a:t>';</a:t>
+            </a:r>
+          </a:p>
+          <a:p>
+            <a:r>
+              <a:rPr lang="en-US" altLang="ko-KR" sz="1200" dirty="0"/>
+              <a:t>    </a:t>
+            </a:r>
+            <a:r>
+              <a:rPr lang="en-US" altLang="ko-KR" sz="1200" dirty="0" smtClean="0"/>
+              <a:t>-- r_sample.name </a:t>
+            </a:r>
+            <a:r>
+              <a:rPr lang="en-US" altLang="ko-KR" sz="1200" dirty="0"/>
+              <a:t>:= '</a:t>
+            </a:r>
+            <a:r>
+              <a:rPr lang="ko-KR" altLang="en-US" sz="1200" dirty="0"/>
+              <a:t>홍길순</a:t>
+            </a:r>
+            <a:r>
+              <a:rPr lang="en-US" altLang="ko-KR" sz="1200" dirty="0"/>
+              <a:t>';</a:t>
+            </a:r>
+          </a:p>
+          <a:p>
+            <a:r>
+              <a:rPr lang="en-US" altLang="ko-KR" sz="1200" dirty="0"/>
+              <a:t>    </a:t>
+            </a:r>
+          </a:p>
+          <a:p>
+            <a:r>
+              <a:rPr lang="en-US" altLang="ko-KR" sz="1200" dirty="0"/>
+              <a:t>     -- </a:t>
+            </a:r>
+            <a:r>
+              <a:rPr lang="ko-KR" altLang="en-US" sz="1200" dirty="0"/>
+              <a:t>실행구문   </a:t>
+            </a:r>
+          </a:p>
+          <a:p>
+            <a:r>
+              <a:rPr lang="ko-KR" altLang="en-US" sz="1200" dirty="0"/>
               <a:t>     </a:t>
             </a:r>
             <a:r>
-              <a:rPr lang="en-US" altLang="ko-KR" dirty="0" smtClean="0"/>
-              <a:t>name </a:t>
-            </a:r>
-            <a:r>
-              <a:rPr lang="en-US" altLang="ko-KR" dirty="0"/>
-              <a:t>varchar2(100);</a:t>
-            </a:r>
-            <a:endParaRPr lang="ko-KR" altLang="en-US" dirty="0" smtClean="0"/>
-          </a:p>
-          <a:p>
-            <a:endParaRPr lang="en-US" altLang="ko-KR" b="1" dirty="0" smtClean="0"/>
-          </a:p>
-          <a:p>
-            <a:r>
-              <a:rPr lang="en-US" altLang="ko-KR" b="1" dirty="0" smtClean="0"/>
-              <a:t>BEGIN   </a:t>
-            </a:r>
-          </a:p>
-          <a:p>
-            <a:r>
-              <a:rPr lang="en-US" altLang="ko-KR" dirty="0" smtClean="0"/>
+              <a:rPr lang="en-US" altLang="ko-KR" sz="1200" dirty="0" err="1"/>
+              <a:t>dbms_output.put_line</a:t>
+            </a:r>
+            <a:r>
+              <a:rPr lang="en-US" altLang="ko-KR" sz="1200" dirty="0"/>
+              <a:t>('Hello '||name); </a:t>
+            </a:r>
+          </a:p>
+          <a:p>
+            <a:r>
+              <a:rPr lang="en-US" altLang="ko-KR" sz="1200" dirty="0"/>
               <a:t>     </a:t>
             </a:r>
             <a:r>
-              <a:rPr lang="en-US" altLang="ko-KR" sz="1400" dirty="0" smtClean="0"/>
+              <a:rPr lang="en-US" altLang="ko-KR" sz="1200" dirty="0" smtClean="0"/>
               <a:t>-- </a:t>
             </a:r>
             <a:r>
-              <a:rPr lang="ko-KR" altLang="en-US" sz="1400" dirty="0" smtClean="0"/>
-              <a:t>실행구문   </a:t>
-            </a:r>
-          </a:p>
-          <a:p>
-            <a:r>
-              <a:rPr lang="ko-KR" altLang="en-US" dirty="0" smtClean="0"/>
-              <a:t>     </a:t>
-            </a:r>
-            <a:r>
-              <a:rPr lang="en-US" altLang="ko-KR" dirty="0" smtClean="0"/>
-              <a:t>dbms_output.put_line('Hello ‘||name);</a:t>
-            </a:r>
-          </a:p>
-          <a:p>
-            <a:r>
-              <a:rPr lang="ko-KR" altLang="en-US" dirty="0" smtClean="0"/>
-              <a:t> </a:t>
-            </a:r>
-          </a:p>
-          <a:p>
-            <a:r>
-              <a:rPr lang="en-US" altLang="ko-KR" b="1" dirty="0" smtClean="0"/>
+              <a:rPr lang="en-US" altLang="ko-KR" sz="1200" dirty="0" err="1" smtClean="0"/>
+              <a:t>dbms_output.put_line</a:t>
+            </a:r>
+            <a:r>
+              <a:rPr lang="en-US" altLang="ko-KR" sz="1200" dirty="0"/>
+              <a:t>('Hello '||r_sample.name); </a:t>
+            </a:r>
+          </a:p>
+          <a:p>
+            <a:r>
+              <a:rPr lang="en-US" altLang="ko-KR" sz="1200" dirty="0"/>
               <a:t>END;</a:t>
             </a:r>
-            <a:endParaRPr lang="ko-KR" altLang="en-US" b="1" dirty="0"/>
           </a:p>
         </p:txBody>
       </p:sp>
@@ -4792,8 +5374,8 @@
         </p:nvSpPr>
         <p:spPr>
           <a:xfrm>
-            <a:off x="7440706" y="1412563"/>
-            <a:ext cx="2541337" cy="2169825"/>
+            <a:off x="7224834" y="650628"/>
+            <a:ext cx="2093843" cy="2852704"/>
           </a:xfrm>
           <a:prstGeom prst="rect">
             <a:avLst/>
@@ -4812,8 +5394,8 @@
               </a:lnSpc>
             </a:pPr>
             <a:r>
-              <a:rPr lang="en-US" altLang="ko-KR" dirty="0"/>
-              <a:t>create table cust_info(</a:t>
+              <a:rPr lang="en-US" altLang="ko-KR" sz="1100" dirty="0"/>
+              <a:t>create table sample(</a:t>
             </a:r>
           </a:p>
           <a:p>
@@ -4823,16 +5405,8 @@
               </a:lnSpc>
             </a:pPr>
             <a:r>
-              <a:rPr lang="en-US" altLang="ko-KR" dirty="0"/>
-              <a:t> </a:t>
-            </a:r>
-            <a:r>
-              <a:rPr lang="en-US" altLang="ko-KR" dirty="0" smtClean="0"/>
-              <a:t>  name </a:t>
-            </a:r>
-            <a:r>
-              <a:rPr lang="en-US" altLang="ko-KR" dirty="0"/>
-              <a:t>varchar2(100),</a:t>
+              <a:rPr lang="en-US" altLang="ko-KR" sz="1100" dirty="0"/>
+              <a:t>   name varchar2(100),</a:t>
             </a:r>
           </a:p>
           <a:p>
@@ -4842,16 +5416,8 @@
               </a:lnSpc>
             </a:pPr>
             <a:r>
-              <a:rPr lang="en-US" altLang="ko-KR" dirty="0"/>
-              <a:t> </a:t>
-            </a:r>
-            <a:r>
-              <a:rPr lang="en-US" altLang="ko-KR" dirty="0" smtClean="0"/>
-              <a:t>   age </a:t>
-            </a:r>
-            <a:r>
-              <a:rPr lang="en-US" altLang="ko-KR" dirty="0"/>
-              <a:t>number(10),</a:t>
+              <a:rPr lang="en-US" altLang="ko-KR" sz="1100" dirty="0"/>
+              <a:t>    age number(10),</a:t>
             </a:r>
           </a:p>
           <a:p>
@@ -4861,16 +5427,16 @@
               </a:lnSpc>
             </a:pPr>
             <a:r>
-              <a:rPr lang="en-US" altLang="ko-KR" dirty="0"/>
-              <a:t> </a:t>
-            </a:r>
-            <a:r>
-              <a:rPr lang="en-US" altLang="ko-KR" dirty="0" smtClean="0"/>
-              <a:t>   reg_date </a:t>
-            </a:r>
-            <a:r>
-              <a:rPr lang="en-US" altLang="ko-KR" dirty="0"/>
-              <a:t>date</a:t>
+              <a:rPr lang="en-US" altLang="ko-KR" sz="1100" dirty="0"/>
+              <a:t>    </a:t>
+            </a:r>
+            <a:r>
+              <a:rPr lang="en-US" altLang="ko-KR" sz="1100" dirty="0" err="1"/>
+              <a:t>reg_date</a:t>
+            </a:r>
+            <a:r>
+              <a:rPr lang="en-US" altLang="ko-KR" sz="1100" dirty="0"/>
+              <a:t> date</a:t>
             </a:r>
           </a:p>
           <a:p>
@@ -4880,10 +5446,103 @@
               </a:lnSpc>
             </a:pPr>
             <a:r>
-              <a:rPr lang="en-US" altLang="ko-KR" dirty="0"/>
+              <a:rPr lang="en-US" altLang="ko-KR" sz="1100" dirty="0"/>
               <a:t> );</a:t>
             </a:r>
-            <a:endParaRPr lang="ko-KR" altLang="en-US" dirty="0"/>
+          </a:p>
+          <a:p>
+            <a:pPr>
+              <a:lnSpc>
+                <a:spcPct val="150000"/>
+              </a:lnSpc>
+            </a:pPr>
+            <a:endParaRPr lang="en-US" altLang="ko-KR" sz="1100" dirty="0"/>
+          </a:p>
+          <a:p>
+            <a:pPr>
+              <a:lnSpc>
+                <a:spcPct val="150000"/>
+              </a:lnSpc>
+            </a:pPr>
+            <a:r>
+              <a:rPr lang="en-US" altLang="ko-KR" sz="1100" dirty="0"/>
+              <a:t>insert into sample(name, age)</a:t>
+            </a:r>
+          </a:p>
+          <a:p>
+            <a:pPr>
+              <a:lnSpc>
+                <a:spcPct val="150000"/>
+              </a:lnSpc>
+            </a:pPr>
+            <a:r>
+              <a:rPr lang="en-US" altLang="ko-KR" sz="1100" dirty="0"/>
+              <a:t>values('</a:t>
+            </a:r>
+            <a:r>
+              <a:rPr lang="ko-KR" altLang="en-US" sz="1100" dirty="0"/>
+              <a:t>홍길동</a:t>
+            </a:r>
+            <a:r>
+              <a:rPr lang="en-US" altLang="ko-KR" sz="1100" dirty="0"/>
+              <a:t>',20</a:t>
+            </a:r>
+            <a:r>
+              <a:rPr lang="en-US" altLang="ko-KR" sz="1100" dirty="0" smtClean="0"/>
+              <a:t>);</a:t>
+            </a:r>
+            <a:endParaRPr lang="en-US" altLang="ko-KR" sz="1100" dirty="0"/>
+          </a:p>
+          <a:p>
+            <a:pPr>
+              <a:lnSpc>
+                <a:spcPct val="150000"/>
+              </a:lnSpc>
+            </a:pPr>
+            <a:r>
+              <a:rPr lang="en-US" altLang="ko-KR" sz="1100" dirty="0"/>
+              <a:t>insert into sample(name, age)</a:t>
+            </a:r>
+          </a:p>
+          <a:p>
+            <a:pPr>
+              <a:lnSpc>
+                <a:spcPct val="150000"/>
+              </a:lnSpc>
+            </a:pPr>
+            <a:r>
+              <a:rPr lang="en-US" altLang="ko-KR" sz="1100" dirty="0"/>
+              <a:t>values('</a:t>
+            </a:r>
+            <a:r>
+              <a:rPr lang="ko-KR" altLang="en-US" sz="1100" dirty="0"/>
+              <a:t>홍길순</a:t>
+            </a:r>
+            <a:r>
+              <a:rPr lang="en-US" altLang="ko-KR" sz="1100" dirty="0"/>
+              <a:t>',30</a:t>
+            </a:r>
+            <a:r>
+              <a:rPr lang="en-US" altLang="ko-KR" sz="1100" dirty="0" smtClean="0"/>
+              <a:t>);</a:t>
+            </a:r>
+            <a:endParaRPr lang="en-US" altLang="ko-KR" sz="1100" dirty="0"/>
+          </a:p>
+          <a:p>
+            <a:pPr>
+              <a:lnSpc>
+                <a:spcPct val="150000"/>
+              </a:lnSpc>
+            </a:pPr>
+            <a:r>
+              <a:rPr lang="en-US" altLang="ko-KR" sz="1100" dirty="0"/>
+              <a:t>commit</a:t>
+            </a:r>
+            <a:r>
+              <a:rPr lang="en-US" altLang="ko-KR" sz="1100" dirty="0" smtClean="0"/>
+              <a:t>;</a:t>
+            </a:r>
+            <a:endParaRPr lang="en-US" altLang="ko-KR" sz="1100" dirty="0"/>
           </a:p>
         </p:txBody>
       </p:sp>
@@ -4896,7 +5555,7 @@
         <p:spPr>
           <a:xfrm>
             <a:off x="6096000" y="1093694"/>
-            <a:ext cx="0" cy="5127812"/>
+            <a:ext cx="0" cy="2250141"/>
           </a:xfrm>
           <a:prstGeom prst="line">
             <a:avLst/>
@@ -4930,7 +5589,7 @@
         </p:nvSpPr>
         <p:spPr>
           <a:xfrm>
-            <a:off x="4921624" y="1766047"/>
+            <a:off x="4912659" y="1317811"/>
             <a:ext cx="1963270" cy="618564"/>
           </a:xfrm>
           <a:prstGeom prst="leftArrow">
@@ -4956,7 +5615,97 @@
           <a:lstStyle/>
           <a:p>
             <a:pPr algn="ctr"/>
-            <a:endParaRPr lang="ko-KR" altLang="en-US"/>
+            <a:endParaRPr lang="ko-KR" altLang="en-US" sz="1600"/>
+          </a:p>
+        </p:txBody>
+      </p:sp>
+      <p:pic>
+        <p:nvPicPr>
+          <p:cNvPr id="5" name="그림 4"/>
+          <p:cNvPicPr>
+            <a:picLocks noChangeAspect="1"/>
+          </p:cNvPicPr>
+          <p:nvPr/>
+        </p:nvPicPr>
+        <p:blipFill>
+          <a:blip r:embed="rId2"/>
+          <a:stretch>
+            <a:fillRect/>
+          </a:stretch>
+        </p:blipFill>
+        <p:spPr>
+          <a:xfrm>
+            <a:off x="1037582" y="3657600"/>
+            <a:ext cx="9544414" cy="2821641"/>
+          </a:xfrm>
+          <a:prstGeom prst="rect">
+            <a:avLst/>
+          </a:prstGeom>
+        </p:spPr>
+      </p:pic>
+      <p:cxnSp>
+        <p:nvCxnSpPr>
+          <p:cNvPr id="13" name="직선 연결선 12"/>
+          <p:cNvCxnSpPr/>
+          <p:nvPr/>
+        </p:nvCxnSpPr>
+        <p:spPr>
+          <a:xfrm>
+            <a:off x="708213" y="3567953"/>
+            <a:ext cx="10793505" cy="0"/>
+          </a:xfrm>
+          <a:prstGeom prst="line">
+            <a:avLst/>
+          </a:prstGeom>
+          <a:ln>
+            <a:solidFill>
+              <a:srgbClr val="FF0000"/>
+            </a:solidFill>
+          </a:ln>
+        </p:spPr>
+        <p:style>
+          <a:lnRef idx="1">
+            <a:schemeClr val="accent1"/>
+          </a:lnRef>
+          <a:fillRef idx="0">
+            <a:schemeClr val="accent1"/>
+          </a:fillRef>
+          <a:effectRef idx="0">
+            <a:schemeClr val="accent1"/>
+          </a:effectRef>
+          <a:fontRef idx="minor">
+            <a:schemeClr val="tx1"/>
+          </a:fontRef>
+        </p:style>
+      </p:cxnSp>
+      <p:sp>
+        <p:nvSpPr>
+          <p:cNvPr id="14" name="직사각형 13"/>
+          <p:cNvSpPr/>
+          <p:nvPr/>
+        </p:nvSpPr>
+        <p:spPr>
+          <a:xfrm>
+            <a:off x="1093693" y="6472534"/>
+            <a:ext cx="10318377" cy="261610"/>
+          </a:xfrm>
+          <a:prstGeom prst="rect">
+            <a:avLst/>
+          </a:prstGeom>
+        </p:spPr>
+        <p:txBody>
+          <a:bodyPr wrap="square">
+            <a:spAutoFit/>
+          </a:bodyPr>
+          <a:lstStyle/>
+          <a:p>
+            <a:r>
+              <a:rPr lang="ko-KR" altLang="en-US" sz="1100" dirty="0">
+                <a:hlinkClick r:id="rId3"/>
+              </a:rPr>
+              <a:t>https://docs.oracle.com/en/database/oracle/oracle-database/19/lnpls/plsql-data-types.html#GUID-C3B938C9-7B0B-4AAC-8323-FEB2ED0225D0</a:t>
+            </a:r>
+            <a:endParaRPr lang="ko-KR" altLang="en-US" sz="1100" dirty="0"/>
           </a:p>
         </p:txBody>
       </p:sp>
